--- a/describes/영화 리뷰 트레이닝.pptx
+++ b/describes/영화 리뷰 트레이닝.pptx
@@ -3930,11 +3930,7 @@
           <a:p>
             <a:r>
               <a:rPr lang="en-US" altLang="ko-KR" dirty="0" smtClean="0"/>
-              <a:t>4</a:t>
-            </a:r>
-            <a:r>
-              <a:rPr lang="en-US" altLang="ko-KR" dirty="0" smtClean="0"/>
-              <a:t>. </a:t>
+              <a:t>4. </a:t>
             </a:r>
             <a:r>
               <a:rPr lang="ko-KR" altLang="en-US" dirty="0" smtClean="0"/>
@@ -3952,7 +3948,6 @@
               <a:rPr lang="en-US" altLang="ko-KR" dirty="0" smtClean="0"/>
               <a:t>)</a:t>
             </a:r>
-            <a:endParaRPr lang="en-US" altLang="ko-KR" dirty="0" smtClean="0"/>
           </a:p>
         </p:txBody>
       </p:sp>
@@ -4226,7 +4221,6 @@
               <a:rPr lang="en-US" altLang="ko-KR" dirty="0" smtClean="0"/>
               <a:t>)</a:t>
             </a:r>
-            <a:endParaRPr lang="en-US" altLang="ko-KR" dirty="0" smtClean="0"/>
           </a:p>
         </p:txBody>
       </p:sp>
@@ -4522,7 +4516,7 @@
         </p:nvSpPr>
         <p:spPr>
           <a:xfrm>
-            <a:off x="1281869" y="820396"/>
+            <a:off x="809834" y="852724"/>
             <a:ext cx="3546505" cy="369332"/>
           </a:xfrm>
           <a:prstGeom prst="rect">
@@ -4538,11 +4532,7 @@
           <a:p>
             <a:r>
               <a:rPr lang="en-US" altLang="ko-KR" dirty="0" smtClean="0"/>
-              <a:t>6</a:t>
-            </a:r>
-            <a:r>
-              <a:rPr lang="en-US" altLang="ko-KR" dirty="0" smtClean="0"/>
-              <a:t>. </a:t>
+              <a:t>6. </a:t>
             </a:r>
             <a:r>
               <a:rPr lang="ko-KR" altLang="en-US" dirty="0" smtClean="0"/>
@@ -4560,8 +4550,8 @@
         </p:nvSpPr>
         <p:spPr>
           <a:xfrm>
-            <a:off x="7034816" y="1845892"/>
-            <a:ext cx="4187440" cy="3416320"/>
+            <a:off x="6979398" y="2999626"/>
+            <a:ext cx="4187440" cy="923330"/>
           </a:xfrm>
           <a:prstGeom prst="rect">
             <a:avLst/>
@@ -4576,102 +4566,31 @@
           <a:p>
             <a:r>
               <a:rPr lang="ko-KR" altLang="en-US" dirty="0" smtClean="0"/>
-              <a:t>테스트 코드 또한 </a:t>
-            </a:r>
-            <a:r>
-              <a:rPr lang="en-US" altLang="ko-KR" dirty="0" err="1" smtClean="0"/>
-              <a:t>keras</a:t>
+              <a:t>실제로 모델을 가지고 </a:t>
+            </a:r>
+            <a:r>
+              <a:rPr lang="en-US" altLang="ko-KR" dirty="0" smtClean="0"/>
+              <a:t>test </a:t>
             </a:r>
             <a:r>
               <a:rPr lang="ko-KR" altLang="en-US" dirty="0" smtClean="0"/>
-              <a:t>에서 지원을 해주기 때문에 간단하게 표시 할 수 있습니다</a:t>
+              <a:t>데이터를 맞춰봤더니 </a:t>
+            </a:r>
+            <a:r>
+              <a:rPr lang="en-US" altLang="ko-KR" dirty="0" smtClean="0"/>
+              <a:t>53</a:t>
+            </a:r>
+            <a:r>
+              <a:rPr lang="ko-KR" altLang="en-US" dirty="0" smtClean="0"/>
+              <a:t>퍼센트의 정확도가 나왔습니다</a:t>
             </a:r>
             <a:r>
               <a:rPr lang="en-US" altLang="ko-KR" dirty="0" smtClean="0"/>
               <a:t>.</a:t>
             </a:r>
-          </a:p>
-          <a:p>
-            <a:endParaRPr lang="en-US" altLang="ko-KR" dirty="0" smtClean="0"/>
-          </a:p>
-          <a:p>
-            <a:r>
-              <a:rPr lang="en-US" altLang="ko-KR" dirty="0" smtClean="0"/>
-              <a:t>Training</a:t>
-            </a:r>
             <a:r>
               <a:rPr lang="ko-KR" altLang="en-US" dirty="0" smtClean="0"/>
-              <a:t>을 진행한 데이터 외에 따로 </a:t>
-            </a:r>
-            <a:r>
-              <a:rPr lang="en-US" altLang="ko-KR" dirty="0" smtClean="0"/>
-              <a:t>5</a:t>
-            </a:r>
-            <a:r>
-              <a:rPr lang="ko-KR" altLang="en-US" dirty="0" smtClean="0"/>
-              <a:t>만개의 데이터를 가지고 있고 </a:t>
-            </a:r>
-            <a:r>
-              <a:rPr lang="ko-KR" altLang="en-US" dirty="0" err="1" smtClean="0"/>
-              <a:t>전처리를</a:t>
-            </a:r>
-            <a:r>
-              <a:rPr lang="ko-KR" altLang="en-US" dirty="0" smtClean="0"/>
-              <a:t> 다 진행했습니다</a:t>
-            </a:r>
-            <a:r>
-              <a:rPr lang="en-US" altLang="ko-KR" dirty="0" smtClean="0"/>
-              <a:t>. </a:t>
-            </a:r>
-          </a:p>
-          <a:p>
-            <a:endParaRPr lang="en-US" altLang="ko-KR" dirty="0" smtClean="0"/>
-          </a:p>
-          <a:p>
-            <a:r>
-              <a:rPr lang="ko-KR" altLang="en-US" dirty="0" smtClean="0"/>
-              <a:t>그리고 이를 가지고 </a:t>
-            </a:r>
-            <a:r>
-              <a:rPr lang="en-US" altLang="ko-KR" dirty="0" smtClean="0"/>
-              <a:t>model</a:t>
-            </a:r>
-            <a:r>
-              <a:rPr lang="ko-KR" altLang="en-US" dirty="0" smtClean="0"/>
-              <a:t>을 이용해서 테스트를 진행해 보았습니다</a:t>
-            </a:r>
-            <a:r>
-              <a:rPr lang="en-US" altLang="ko-KR" dirty="0" smtClean="0"/>
-              <a:t>.</a:t>
-            </a:r>
-          </a:p>
-          <a:p>
-            <a:endParaRPr lang="en-US" altLang="ko-KR" dirty="0"/>
-          </a:p>
-          <a:p>
-            <a:r>
-              <a:rPr lang="ko-KR" altLang="en-US" dirty="0" smtClean="0"/>
-              <a:t>밑의 그림과 같이 정확도가 </a:t>
-            </a:r>
-            <a:r>
-              <a:rPr lang="en-US" altLang="ko-KR" dirty="0" smtClean="0"/>
-              <a:t>0.83</a:t>
-            </a:r>
-            <a:r>
-              <a:rPr lang="ko-KR" altLang="en-US" dirty="0" smtClean="0"/>
-              <a:t>가량 </a:t>
-            </a:r>
-            <a:r>
-              <a:rPr lang="ko-KR" altLang="en-US" dirty="0" err="1" smtClean="0"/>
-              <a:t>나오는것을</a:t>
-            </a:r>
-            <a:r>
-              <a:rPr lang="ko-KR" altLang="en-US" dirty="0" smtClean="0"/>
-              <a:t> 확인 할 수 있었습니다</a:t>
-            </a:r>
-            <a:r>
-              <a:rPr lang="en-US" altLang="ko-KR" dirty="0" smtClean="0"/>
-              <a:t>.</a:t>
+              <a:t> </a:t>
             </a:r>
             <a:endParaRPr lang="ko-KR" altLang="en-US" dirty="0"/>
           </a:p>
@@ -4679,133 +4598,28 @@
       </p:sp>
       <p:pic>
         <p:nvPicPr>
-          <p:cNvPr id="2" name="그림 1"/>
+          <p:cNvPr id="8" name="그림 7"/>
           <p:cNvPicPr>
             <a:picLocks noChangeAspect="1"/>
           </p:cNvPicPr>
           <p:nvPr/>
         </p:nvPicPr>
-        <p:blipFill rotWithShape="1">
+        <p:blipFill>
           <a:blip r:embed="rId2"/>
-          <a:srcRect t="59810" r="24366"/>
-          <a:stretch/>
+          <a:stretch>
+            <a:fillRect/>
+          </a:stretch>
         </p:blipFill>
         <p:spPr>
           <a:xfrm>
-            <a:off x="1270323" y="1830927"/>
-            <a:ext cx="5552901" cy="1243432"/>
+            <a:off x="809834" y="1845892"/>
+            <a:ext cx="5716497" cy="3230798"/>
           </a:xfrm>
           <a:prstGeom prst="rect">
             <a:avLst/>
           </a:prstGeom>
         </p:spPr>
       </p:pic>
-      <p:sp>
-        <p:nvSpPr>
-          <p:cNvPr id="4" name="타원 3"/>
-          <p:cNvSpPr/>
-          <p:nvPr/>
-        </p:nvSpPr>
-        <p:spPr>
-          <a:xfrm>
-            <a:off x="2085173" y="2341549"/>
-            <a:ext cx="4486542" cy="376015"/>
-          </a:xfrm>
-          <a:prstGeom prst="ellipse">
-            <a:avLst/>
-          </a:prstGeom>
-          <a:noFill/>
-        </p:spPr>
-        <p:style>
-          <a:lnRef idx="2">
-            <a:schemeClr val="accent1">
-              <a:shade val="50000"/>
-            </a:schemeClr>
-          </a:lnRef>
-          <a:fillRef idx="1">
-            <a:schemeClr val="accent1"/>
-          </a:fillRef>
-          <a:effectRef idx="0">
-            <a:schemeClr val="accent1"/>
-          </a:effectRef>
-          <a:fontRef idx="minor">
-            <a:schemeClr val="lt1"/>
-          </a:fontRef>
-        </p:style>
-        <p:txBody>
-          <a:bodyPr rtlCol="0" anchor="ctr"/>
-          <a:lstStyle/>
-          <a:p>
-            <a:pPr algn="ctr"/>
-            <a:endParaRPr lang="ko-KR" altLang="en-US"/>
-          </a:p>
-        </p:txBody>
-      </p:sp>
-      <p:pic>
-        <p:nvPicPr>
-          <p:cNvPr id="6" name="그림 5"/>
-          <p:cNvPicPr>
-            <a:picLocks noChangeAspect="1"/>
-          </p:cNvPicPr>
-          <p:nvPr/>
-        </p:nvPicPr>
-        <p:blipFill>
-          <a:blip r:embed="rId3"/>
-          <a:stretch>
-            <a:fillRect/>
-          </a:stretch>
-        </p:blipFill>
-        <p:spPr>
-          <a:xfrm>
-            <a:off x="1281869" y="3666146"/>
-            <a:ext cx="5529811" cy="1861386"/>
-          </a:xfrm>
-          <a:prstGeom prst="rect">
-            <a:avLst/>
-          </a:prstGeom>
-        </p:spPr>
-      </p:pic>
-      <p:sp>
-        <p:nvSpPr>
-          <p:cNvPr id="7" name="타원 6"/>
-          <p:cNvSpPr/>
-          <p:nvPr/>
-        </p:nvSpPr>
-        <p:spPr>
-          <a:xfrm>
-            <a:off x="1270323" y="5170206"/>
-            <a:ext cx="3694784" cy="341831"/>
-          </a:xfrm>
-          <a:prstGeom prst="ellipse">
-            <a:avLst/>
-          </a:prstGeom>
-          <a:noFill/>
-        </p:spPr>
-        <p:style>
-          <a:lnRef idx="2">
-            <a:schemeClr val="accent1">
-              <a:shade val="50000"/>
-            </a:schemeClr>
-          </a:lnRef>
-          <a:fillRef idx="1">
-            <a:schemeClr val="accent1"/>
-          </a:fillRef>
-          <a:effectRef idx="0">
-            <a:schemeClr val="accent1"/>
-          </a:effectRef>
-          <a:fontRef idx="minor">
-            <a:schemeClr val="lt1"/>
-          </a:fontRef>
-        </p:style>
-        <p:txBody>
-          <a:bodyPr rtlCol="0" anchor="ctr"/>
-          <a:lstStyle/>
-          <a:p>
-            <a:pPr algn="ctr"/>
-            <a:endParaRPr lang="ko-KR" altLang="en-US"/>
-          </a:p>
-        </p:txBody>
-      </p:sp>
     </p:spTree>
     <p:extLst>
       <p:ext uri="{BB962C8B-B14F-4D97-AF65-F5344CB8AC3E}">
@@ -5435,15 +5249,7 @@
           <a:p>
             <a:r>
               <a:rPr lang="ko-KR" altLang="en-US" sz="1600" dirty="0" smtClean="0"/>
-              <a:t>한국어를 제외한 모든 </a:t>
-            </a:r>
-            <a:r>
-              <a:rPr lang="ko-KR" altLang="en-US" sz="1600" dirty="0" smtClean="0"/>
-              <a:t>문자를 </a:t>
-            </a:r>
-            <a:r>
-              <a:rPr lang="ko-KR" altLang="en-US" sz="1600" dirty="0" smtClean="0"/>
-              <a:t>제거 합니다</a:t>
+              <a:t>한국어를 제외한 모든 문자를 제거 합니다</a:t>
             </a:r>
             <a:r>
               <a:rPr lang="en-US" altLang="ko-KR" sz="1600" dirty="0" smtClean="0"/>
@@ -5492,7 +5298,6 @@
               <a:rPr lang="en-US" altLang="ko-KR" sz="1600" dirty="0" smtClean="0"/>
               <a:t>”</a:t>
             </a:r>
-            <a:endParaRPr lang="en-US" altLang="ko-KR" sz="1600" dirty="0" smtClean="0"/>
           </a:p>
         </p:txBody>
       </p:sp>
@@ -5676,17 +5481,12 @@
             </a:r>
             <a:r>
               <a:rPr lang="ko-KR" altLang="en-US" sz="1600" dirty="0" smtClean="0"/>
-              <a:t>를 이용해 리뷰 문자를 모두 형태소 단위로 </a:t>
-            </a:r>
-            <a:r>
-              <a:rPr lang="ko-KR" altLang="en-US" sz="1600" dirty="0" smtClean="0"/>
-              <a:t>자르고 어간만 가져 옵니다</a:t>
+              <a:t>를 이용해 리뷰 문자를 모두 형태소 단위로 자르고 어간만 가져 옵니다</a:t>
             </a:r>
             <a:r>
               <a:rPr lang="en-US" altLang="ko-KR" sz="1600" dirty="0" smtClean="0"/>
               <a:t>.</a:t>
             </a:r>
-            <a:endParaRPr lang="en-US" altLang="ko-KR" sz="1600" dirty="0" smtClean="0"/>
           </a:p>
           <a:p>
             <a:r>
@@ -5699,11 +5499,7 @@
             </a:r>
             <a:r>
               <a:rPr lang="en-US" altLang="ko-KR" sz="1600" dirty="0" smtClean="0"/>
-              <a:t>’, </a:t>
-            </a:r>
-            <a:r>
-              <a:rPr lang="en-US" altLang="ko-KR" sz="1600" dirty="0" smtClean="0"/>
-              <a:t>‘</a:t>
+              <a:t>’, ‘</a:t>
             </a:r>
             <a:r>
               <a:rPr lang="ko-KR" altLang="en-US" sz="1600" dirty="0" smtClean="0"/>
@@ -5975,19 +5771,11 @@
           <a:p>
             <a:r>
               <a:rPr lang="ko-KR" altLang="en-US" sz="1600" dirty="0" err="1" smtClean="0"/>
-              <a:t>첫번째</a:t>
-            </a:r>
-            <a:r>
-              <a:rPr lang="ko-KR" altLang="en-US" sz="1600" dirty="0" err="1" smtClean="0"/>
-              <a:t>는</a:t>
+              <a:t>첫번째는</a:t>
             </a:r>
             <a:r>
               <a:rPr lang="ko-KR" altLang="en-US" sz="1600" dirty="0" smtClean="0"/>
-              <a:t> </a:t>
-            </a:r>
-            <a:r>
-              <a:rPr lang="ko-KR" altLang="en-US" sz="1600" dirty="0" smtClean="0"/>
-              <a:t>기계가 데이터를 잘 알아 볼 수 있도록 정수화 </a:t>
+              <a:t> 기계가 데이터를 잘 알아 볼 수 있도록 정수화 </a:t>
             </a:r>
             <a:r>
               <a:rPr lang="ko-KR" altLang="en-US" sz="1600" dirty="0" err="1" smtClean="0"/>
@@ -6308,11 +6096,7 @@
           <a:p>
             <a:r>
               <a:rPr lang="en-US" altLang="ko-KR" dirty="0" smtClean="0"/>
-              <a:t>3-1</a:t>
-            </a:r>
-            <a:r>
-              <a:rPr lang="en-US" altLang="ko-KR" dirty="0" smtClean="0"/>
-              <a:t>. </a:t>
+              <a:t>3-1. </a:t>
             </a:r>
             <a:r>
               <a:rPr lang="ko-KR" altLang="en-US" dirty="0"/>
@@ -6320,11 +6104,7 @@
             </a:r>
             <a:r>
               <a:rPr lang="en-US" altLang="ko-KR" dirty="0" smtClean="0"/>
-              <a:t>(</a:t>
-            </a:r>
-            <a:r>
-              <a:rPr lang="en-US" altLang="ko-KR" dirty="0" smtClean="0"/>
-              <a:t>Seq2Seq </a:t>
+              <a:t>(Seq2Seq </a:t>
             </a:r>
             <a:r>
               <a:rPr lang="ko-KR" altLang="en-US" dirty="0" smtClean="0"/>
@@ -6456,7 +6236,6 @@
               <a:rPr lang="en-US" altLang="ko-KR" sz="1400" dirty="0" smtClean="0"/>
               <a:t>.</a:t>
             </a:r>
-            <a:endParaRPr lang="en-US" altLang="ko-KR" sz="1400" dirty="0" smtClean="0"/>
           </a:p>
         </p:txBody>
       </p:sp>
@@ -6532,7 +6311,6 @@
               <a:rPr lang="en-US" altLang="ko-KR" dirty="0" smtClean="0"/>
               <a:t>)</a:t>
             </a:r>
-            <a:endParaRPr lang="en-US" altLang="ko-KR" dirty="0" smtClean="0"/>
           </a:p>
         </p:txBody>
       </p:sp>
@@ -8090,11 +7868,7 @@
             <a:p>
               <a:r>
                 <a:rPr lang="ko-KR" altLang="en-US" sz="1400" dirty="0" smtClean="0"/>
-                <a:t>나는 </a:t>
-              </a:r>
-              <a:r>
-                <a:rPr lang="ko-KR" altLang="en-US" sz="1400" dirty="0" smtClean="0"/>
-                <a:t>고양이다</a:t>
+                <a:t>나는 고양이다</a:t>
               </a:r>
               <a:endParaRPr lang="en-US" altLang="ko-KR" sz="1400" dirty="0" smtClean="0"/>
             </a:p>
@@ -8375,7 +8149,6 @@
               <a:rPr lang="en-US" altLang="ko-KR" dirty="0" smtClean="0"/>
               <a:t>)</a:t>
             </a:r>
-            <a:endParaRPr lang="en-US" altLang="ko-KR" dirty="0" smtClean="0"/>
           </a:p>
         </p:txBody>
       </p:sp>
@@ -8432,15 +8205,7 @@
             </a:r>
             <a:r>
               <a:rPr lang="en-US" altLang="ko-KR" dirty="0" smtClean="0"/>
-              <a:t>LSTM</a:t>
-            </a:r>
-            <a:r>
-              <a:rPr lang="en-US" altLang="ko-KR" dirty="0" smtClean="0"/>
-              <a:t>, </a:t>
-            </a:r>
-            <a:r>
-              <a:rPr lang="en-US" altLang="ko-KR" dirty="0" smtClean="0"/>
-              <a:t>Embedding layer, </a:t>
+              <a:t>LSTM, Embedding layer, </a:t>
             </a:r>
             <a:r>
               <a:rPr lang="en-US" altLang="ko-KR" dirty="0" err="1" smtClean="0"/>
@@ -8469,11 +8234,7 @@
             </a:r>
             <a:r>
               <a:rPr lang="en-US" altLang="ko-KR" dirty="0" smtClean="0"/>
-              <a:t>laye</a:t>
-            </a:r>
-            <a:r>
-              <a:rPr lang="en-US" altLang="ko-KR" dirty="0" smtClean="0"/>
-              <a:t>r </a:t>
+              <a:t>layer </a:t>
             </a:r>
             <a:r>
               <a:rPr lang="ko-KR" altLang="en-US" dirty="0" smtClean="0"/>

--- a/describes/영화 리뷰 트레이닝.pptx
+++ b/describes/영화 리뷰 트레이닝.pptx
@@ -4578,11 +4578,15 @@
             </a:r>
             <a:r>
               <a:rPr lang="en-US" altLang="ko-KR" dirty="0" smtClean="0"/>
-              <a:t>53</a:t>
+              <a:t>85</a:t>
             </a:r>
             <a:r>
               <a:rPr lang="ko-KR" altLang="en-US" dirty="0" smtClean="0"/>
-              <a:t>퍼센트의 정확도가 나왔습니다</a:t>
+              <a:t>퍼센트의 </a:t>
+            </a:r>
+            <a:r>
+              <a:rPr lang="ko-KR" altLang="en-US" dirty="0" smtClean="0"/>
+              <a:t>정확도가 나왔습니다</a:t>
             </a:r>
             <a:r>
               <a:rPr lang="en-US" altLang="ko-KR" dirty="0" smtClean="0"/>
@@ -4598,7 +4602,7 @@
       </p:sp>
       <p:pic>
         <p:nvPicPr>
-          <p:cNvPr id="8" name="그림 7"/>
+          <p:cNvPr id="2" name="그림 1"/>
           <p:cNvPicPr>
             <a:picLocks noChangeAspect="1"/>
           </p:cNvPicPr>
@@ -4612,8 +4616,8 @@
         </p:blipFill>
         <p:spPr>
           <a:xfrm>
-            <a:off x="809834" y="1845892"/>
-            <a:ext cx="5716497" cy="3230798"/>
+            <a:off x="809834" y="1584036"/>
+            <a:ext cx="4478892" cy="4383087"/>
           </a:xfrm>
           <a:prstGeom prst="rect">
             <a:avLst/>
